--- a/Prospectus/sampling sites/sampling sites.pptx
+++ b/Prospectus/sampling sites/sampling sites.pptx
@@ -205,7 +205,7 @@
           <a:p>
             <a:fld id="{2C323066-1B0D-4035-8807-7F47334688FE}" type="datetimeFigureOut">
               <a:rPr lang="en-US" smtClean="0"/>
-              <a:t>6/24/2019</a:t>
+              <a:t>7/2/2019</a:t>
             </a:fld>
             <a:endParaRPr lang="en-US"/>
           </a:p>
@@ -600,7 +600,26 @@
           <a:bodyPr/>
           <a:lstStyle/>
           <a:p>
-            <a:endParaRPr lang="en-US" dirty="0"/>
+            <a:r>
+              <a:rPr lang="en-US" dirty="0"/>
+              <a:t>Think about the magnitude of change along the </a:t>
+            </a:r>
+            <a:r>
+              <a:rPr lang="en-US" dirty="0" err="1"/>
+              <a:t>cont</a:t>
+            </a:r>
+            <a:r>
+              <a:rPr lang="en-US" dirty="0"/>
+              <a:t> within the reservoir, </a:t>
+            </a:r>
+            <a:r>
+              <a:rPr lang="en-US" dirty="0" err="1"/>
+              <a:t>secchi</a:t>
+            </a:r>
+            <a:r>
+              <a:rPr lang="en-US" dirty="0"/>
+              <a:t> at deep hole for both days as a measure of water clarity</a:t>
+            </a:r>
           </a:p>
         </p:txBody>
       </p:sp>
@@ -965,7 +984,7 @@
           <a:p>
             <a:fld id="{81C39F41-AD87-4735-AD8F-C0F6FE3C1C95}" type="datetimeFigureOut">
               <a:rPr lang="en-US" smtClean="0"/>
-              <a:t>6/24/2019</a:t>
+              <a:t>7/2/2019</a:t>
             </a:fld>
             <a:endParaRPr lang="en-US"/>
           </a:p>
@@ -1163,7 +1182,7 @@
           <a:p>
             <a:fld id="{81C39F41-AD87-4735-AD8F-C0F6FE3C1C95}" type="datetimeFigureOut">
               <a:rPr lang="en-US" smtClean="0"/>
-              <a:t>6/24/2019</a:t>
+              <a:t>7/2/2019</a:t>
             </a:fld>
             <a:endParaRPr lang="en-US"/>
           </a:p>
@@ -1371,7 +1390,7 @@
           <a:p>
             <a:fld id="{81C39F41-AD87-4735-AD8F-C0F6FE3C1C95}" type="datetimeFigureOut">
               <a:rPr lang="en-US" smtClean="0"/>
-              <a:t>6/24/2019</a:t>
+              <a:t>7/2/2019</a:t>
             </a:fld>
             <a:endParaRPr lang="en-US"/>
           </a:p>
@@ -1569,7 +1588,7 @@
           <a:p>
             <a:fld id="{81C39F41-AD87-4735-AD8F-C0F6FE3C1C95}" type="datetimeFigureOut">
               <a:rPr lang="en-US" smtClean="0"/>
-              <a:t>6/24/2019</a:t>
+              <a:t>7/2/2019</a:t>
             </a:fld>
             <a:endParaRPr lang="en-US"/>
           </a:p>
@@ -1844,7 +1863,7 @@
           <a:p>
             <a:fld id="{81C39F41-AD87-4735-AD8F-C0F6FE3C1C95}" type="datetimeFigureOut">
               <a:rPr lang="en-US" smtClean="0"/>
-              <a:t>6/24/2019</a:t>
+              <a:t>7/2/2019</a:t>
             </a:fld>
             <a:endParaRPr lang="en-US"/>
           </a:p>
@@ -2109,7 +2128,7 @@
           <a:p>
             <a:fld id="{81C39F41-AD87-4735-AD8F-C0F6FE3C1C95}" type="datetimeFigureOut">
               <a:rPr lang="en-US" smtClean="0"/>
-              <a:t>6/24/2019</a:t>
+              <a:t>7/2/2019</a:t>
             </a:fld>
             <a:endParaRPr lang="en-US"/>
           </a:p>
@@ -2521,7 +2540,7 @@
           <a:p>
             <a:fld id="{81C39F41-AD87-4735-AD8F-C0F6FE3C1C95}" type="datetimeFigureOut">
               <a:rPr lang="en-US" smtClean="0"/>
-              <a:t>6/24/2019</a:t>
+              <a:t>7/2/2019</a:t>
             </a:fld>
             <a:endParaRPr lang="en-US"/>
           </a:p>
@@ -2662,7 +2681,7 @@
           <a:p>
             <a:fld id="{81C39F41-AD87-4735-AD8F-C0F6FE3C1C95}" type="datetimeFigureOut">
               <a:rPr lang="en-US" smtClean="0"/>
-              <a:t>6/24/2019</a:t>
+              <a:t>7/2/2019</a:t>
             </a:fld>
             <a:endParaRPr lang="en-US"/>
           </a:p>
@@ -2775,7 +2794,7 @@
           <a:p>
             <a:fld id="{81C39F41-AD87-4735-AD8F-C0F6FE3C1C95}" type="datetimeFigureOut">
               <a:rPr lang="en-US" smtClean="0"/>
-              <a:t>6/24/2019</a:t>
+              <a:t>7/2/2019</a:t>
             </a:fld>
             <a:endParaRPr lang="en-US"/>
           </a:p>
@@ -3086,7 +3105,7 @@
           <a:p>
             <a:fld id="{81C39F41-AD87-4735-AD8F-C0F6FE3C1C95}" type="datetimeFigureOut">
               <a:rPr lang="en-US" smtClean="0"/>
-              <a:t>6/24/2019</a:t>
+              <a:t>7/2/2019</a:t>
             </a:fld>
             <a:endParaRPr lang="en-US"/>
           </a:p>
@@ -3374,7 +3393,7 @@
           <a:p>
             <a:fld id="{81C39F41-AD87-4735-AD8F-C0F6FE3C1C95}" type="datetimeFigureOut">
               <a:rPr lang="en-US" smtClean="0"/>
-              <a:t>6/24/2019</a:t>
+              <a:t>7/2/2019</a:t>
             </a:fld>
             <a:endParaRPr lang="en-US"/>
           </a:p>
@@ -3615,7 +3634,7 @@
           <a:p>
             <a:fld id="{81C39F41-AD87-4735-AD8F-C0F6FE3C1C95}" type="datetimeFigureOut">
               <a:rPr lang="en-US" smtClean="0"/>
-              <a:t>6/24/2019</a:t>
+              <a:t>7/2/2019</a:t>
             </a:fld>
             <a:endParaRPr lang="en-US"/>
           </a:p>
